--- a/documentation/FilemanDocu.pptx
+++ b/documentation/FilemanDocu.pptx
@@ -5,12 +5,13 @@
     <p:sldMasterId id="2147483648" r:id="rId1"/>
   </p:sldMasterIdLst>
   <p:notesMasterIdLst>
-    <p:notesMasterId r:id="rId5"/>
+    <p:notesMasterId r:id="rId6"/>
   </p:notesMasterIdLst>
   <p:sldIdLst>
     <p:sldId id="263" r:id="rId2"/>
     <p:sldId id="264" r:id="rId3"/>
-    <p:sldId id="265" r:id="rId4"/>
+    <p:sldId id="266" r:id="rId4"/>
+    <p:sldId id="265" r:id="rId5"/>
   </p:sldIdLst>
   <p:sldSz cx="9144000" cy="6858000" type="screen4x3"/>
   <p:notesSz cx="6858000" cy="9144000"/>
@@ -5507,6 +5508,294 @@
 </file>
 
 <file path=ppt/slides/slide3.xml><?xml version="1.0" encoding="utf-8"?>
+<p:sld xmlns:a="http://schemas.openxmlformats.org/drawingml/2006/main" xmlns:r="http://schemas.openxmlformats.org/officeDocument/2006/relationships" xmlns:p="http://schemas.openxmlformats.org/presentationml/2006/main">
+  <p:cSld>
+    <p:spTree>
+      <p:nvGrpSpPr>
+        <p:cNvPr id="1" name=""/>
+        <p:cNvGrpSpPr/>
+        <p:nvPr/>
+      </p:nvGrpSpPr>
+      <p:grpSpPr>
+        <a:xfrm>
+          <a:off x="0" y="0"/>
+          <a:ext cx="0" cy="0"/>
+          <a:chOff x="0" y="0"/>
+          <a:chExt cx="0" cy="0"/>
+        </a:xfrm>
+      </p:grpSpPr>
+      <p:sp>
+        <p:nvSpPr>
+          <p:cNvPr id="36" name="Flussdiagramm: Prozess 35"/>
+          <p:cNvSpPr/>
+          <p:nvPr/>
+        </p:nvSpPr>
+        <p:spPr>
+          <a:xfrm>
+            <a:off x="899592" y="1340768"/>
+            <a:ext cx="7704856" cy="4032448"/>
+          </a:xfrm>
+          <a:prstGeom prst="flowChartProcess">
+            <a:avLst/>
+          </a:prstGeom>
+          <a:solidFill>
+            <a:schemeClr val="bg1">
+              <a:lumMod val="95000"/>
+            </a:schemeClr>
+          </a:solidFill>
+        </p:spPr>
+        <p:style>
+          <a:lnRef idx="2">
+            <a:schemeClr val="accent1">
+              <a:shade val="50000"/>
+            </a:schemeClr>
+          </a:lnRef>
+          <a:fillRef idx="1">
+            <a:schemeClr val="accent1"/>
+          </a:fillRef>
+          <a:effectRef idx="0">
+            <a:schemeClr val="accent1"/>
+          </a:effectRef>
+          <a:fontRef idx="minor">
+            <a:schemeClr val="lt1"/>
+          </a:fontRef>
+        </p:style>
+        <p:txBody>
+          <a:bodyPr rtlCol="0" anchor="t" anchorCtr="0"/>
+          <a:lstStyle/>
+          <a:p>
+            <a:pPr algn="r"/>
+            <a:r>
+              <a:rPr lang="de-DE" b="1" dirty="0" smtClean="0">
+                <a:solidFill>
+                  <a:schemeClr val="tx1"/>
+                </a:solidFill>
+              </a:rPr>
+              <a:t>&lt;&lt;Fileman&gt;&gt;</a:t>
+            </a:r>
+            <a:endParaRPr lang="de-DE" b="1" dirty="0">
+              <a:solidFill>
+                <a:schemeClr val="tx1"/>
+              </a:solidFill>
+            </a:endParaRPr>
+          </a:p>
+        </p:txBody>
+      </p:sp>
+      <p:sp>
+        <p:nvSpPr>
+          <p:cNvPr id="2" name="Textfeld 1"/>
+          <p:cNvSpPr txBox="1"/>
+          <p:nvPr/>
+        </p:nvSpPr>
+        <p:spPr>
+          <a:xfrm>
+            <a:off x="2830642" y="315832"/>
+            <a:ext cx="2824812" cy="461665"/>
+          </a:xfrm>
+          <a:prstGeom prst="rect">
+            <a:avLst/>
+          </a:prstGeom>
+          <a:noFill/>
+        </p:spPr>
+        <p:txBody>
+          <a:bodyPr wrap="none" rtlCol="0">
+            <a:spAutoFit/>
+          </a:bodyPr>
+          <a:lstStyle/>
+          <a:p>
+            <a:r>
+              <a:rPr lang="de-DE" sz="2400" b="1" dirty="0" err="1" smtClean="0"/>
+              <a:t>Component</a:t>
+            </a:r>
+            <a:r>
+              <a:rPr lang="de-DE" sz="2400" b="1" dirty="0" smtClean="0"/>
+              <a:t> </a:t>
+            </a:r>
+            <a:r>
+              <a:rPr lang="de-DE" sz="2400" b="1" dirty="0" err="1" smtClean="0"/>
+              <a:t>Diagram</a:t>
+            </a:r>
+            <a:endParaRPr lang="de-DE" sz="2400" b="1" dirty="0"/>
+          </a:p>
+        </p:txBody>
+      </p:sp>
+      <p:sp>
+        <p:nvSpPr>
+          <p:cNvPr id="22" name="Flussdiagramm: Prozess 21"/>
+          <p:cNvSpPr/>
+          <p:nvPr/>
+        </p:nvSpPr>
+        <p:spPr>
+          <a:xfrm>
+            <a:off x="1259632" y="1916832"/>
+            <a:ext cx="6904384" cy="864096"/>
+          </a:xfrm>
+          <a:prstGeom prst="flowChartProcess">
+            <a:avLst/>
+          </a:prstGeom>
+          <a:solidFill>
+            <a:schemeClr val="bg1">
+              <a:lumMod val="85000"/>
+            </a:schemeClr>
+          </a:solidFill>
+        </p:spPr>
+        <p:style>
+          <a:lnRef idx="2">
+            <a:schemeClr val="accent1">
+              <a:shade val="50000"/>
+            </a:schemeClr>
+          </a:lnRef>
+          <a:fillRef idx="1">
+            <a:schemeClr val="accent1"/>
+          </a:fillRef>
+          <a:effectRef idx="0">
+            <a:schemeClr val="accent1"/>
+          </a:effectRef>
+          <a:fontRef idx="minor">
+            <a:schemeClr val="lt1"/>
+          </a:fontRef>
+        </p:style>
+        <p:txBody>
+          <a:bodyPr rtlCol="0" anchor="t" anchorCtr="0"/>
+          <a:lstStyle/>
+          <a:p>
+            <a:pPr algn="r"/>
+            <a:r>
+              <a:rPr lang="de-DE" b="1" dirty="0" smtClean="0">
+                <a:solidFill>
+                  <a:schemeClr val="tx1"/>
+                </a:solidFill>
+              </a:rPr>
+              <a:t>&lt;&lt;Angular-Frontend&gt;&gt;</a:t>
+            </a:r>
+            <a:endParaRPr lang="de-DE" b="1" dirty="0">
+              <a:solidFill>
+                <a:schemeClr val="tx1"/>
+              </a:solidFill>
+            </a:endParaRPr>
+          </a:p>
+        </p:txBody>
+      </p:sp>
+      <p:sp>
+        <p:nvSpPr>
+          <p:cNvPr id="25" name="Flussdiagramm: Prozess 24"/>
+          <p:cNvSpPr/>
+          <p:nvPr/>
+        </p:nvSpPr>
+        <p:spPr>
+          <a:xfrm>
+            <a:off x="1299828" y="3212976"/>
+            <a:ext cx="6904384" cy="1656184"/>
+          </a:xfrm>
+          <a:prstGeom prst="flowChartProcess">
+            <a:avLst/>
+          </a:prstGeom>
+          <a:solidFill>
+            <a:schemeClr val="bg1">
+              <a:lumMod val="85000"/>
+            </a:schemeClr>
+          </a:solidFill>
+        </p:spPr>
+        <p:style>
+          <a:lnRef idx="2">
+            <a:schemeClr val="accent1">
+              <a:shade val="50000"/>
+            </a:schemeClr>
+          </a:lnRef>
+          <a:fillRef idx="1">
+            <a:schemeClr val="accent1"/>
+          </a:fillRef>
+          <a:effectRef idx="0">
+            <a:schemeClr val="accent1"/>
+          </a:effectRef>
+          <a:fontRef idx="minor">
+            <a:schemeClr val="lt1"/>
+          </a:fontRef>
+        </p:style>
+        <p:txBody>
+          <a:bodyPr rtlCol="0" anchor="t" anchorCtr="0"/>
+          <a:lstStyle/>
+          <a:p>
+            <a:pPr algn="r"/>
+            <a:r>
+              <a:rPr lang="de-DE" b="1" dirty="0" smtClean="0">
+                <a:solidFill>
+                  <a:schemeClr val="tx1"/>
+                </a:solidFill>
+              </a:rPr>
+              <a:t>&lt;&lt;Spring-Boot-Backend&gt;&gt;</a:t>
+            </a:r>
+            <a:endParaRPr lang="de-DE" b="1" dirty="0">
+              <a:solidFill>
+                <a:schemeClr val="tx1"/>
+              </a:solidFill>
+            </a:endParaRPr>
+          </a:p>
+        </p:txBody>
+      </p:sp>
+      <p:sp>
+        <p:nvSpPr>
+          <p:cNvPr id="3" name="Zylinder 2"/>
+          <p:cNvSpPr/>
+          <p:nvPr/>
+        </p:nvSpPr>
+        <p:spPr>
+          <a:xfrm>
+            <a:off x="1907704" y="3537012"/>
+            <a:ext cx="1296144" cy="1116124"/>
+          </a:xfrm>
+          <a:prstGeom prst="can">
+            <a:avLst/>
+          </a:prstGeom>
+          <a:solidFill>
+            <a:schemeClr val="bg1">
+              <a:lumMod val="75000"/>
+            </a:schemeClr>
+          </a:solidFill>
+        </p:spPr>
+        <p:style>
+          <a:lnRef idx="2">
+            <a:schemeClr val="accent1">
+              <a:shade val="50000"/>
+            </a:schemeClr>
+          </a:lnRef>
+          <a:fillRef idx="1">
+            <a:schemeClr val="accent1"/>
+          </a:fillRef>
+          <a:effectRef idx="0">
+            <a:schemeClr val="accent1"/>
+          </a:effectRef>
+          <a:fontRef idx="minor">
+            <a:schemeClr val="lt1"/>
+          </a:fontRef>
+        </p:style>
+        <p:txBody>
+          <a:bodyPr rtlCol="0" anchor="ctr"/>
+          <a:lstStyle/>
+          <a:p>
+            <a:pPr algn="ctr"/>
+            <a:r>
+              <a:rPr lang="de-DE" dirty="0" smtClean="0"/>
+              <a:t>H2-DB</a:t>
+            </a:r>
+            <a:endParaRPr lang="de-DE" dirty="0"/>
+          </a:p>
+        </p:txBody>
+      </p:sp>
+    </p:spTree>
+    <p:extLst>
+      <p:ext uri="{BB962C8B-B14F-4D97-AF65-F5344CB8AC3E}">
+        <p14:creationId xmlns:p14="http://schemas.microsoft.com/office/powerpoint/2010/main" val="968867571"/>
+      </p:ext>
+    </p:extLst>
+  </p:cSld>
+  <p:clrMapOvr>
+    <a:masterClrMapping/>
+  </p:clrMapOvr>
+</p:sld>
+</file>
+
+<file path=ppt/slides/slide4.xml><?xml version="1.0" encoding="utf-8"?>
 <p:sld xmlns:a="http://schemas.openxmlformats.org/drawingml/2006/main" xmlns:r="http://schemas.openxmlformats.org/officeDocument/2006/relationships" xmlns:p="http://schemas.openxmlformats.org/presentationml/2006/main">
   <p:cSld>
     <p:spTree>

--- a/documentation/FilemanDocu.pptx
+++ b/documentation/FilemanDocu.pptx
@@ -211,7 +211,7 @@
           <a:p>
             <a:fld id="{7A091048-65EE-47A7-A9F7-D18529E4DD78}" type="datetimeFigureOut">
               <a:rPr lang="de-DE" smtClean="0"/>
-              <a:t>20.08.2020</a:t>
+              <a:t>21.08.2020</a:t>
             </a:fld>
             <a:endParaRPr lang="de-DE" dirty="0"/>
           </a:p>
@@ -660,7 +660,7 @@
           <a:p>
             <a:fld id="{298F6515-3D51-450C-B96D-5E0F813738E7}" type="datetimeFigureOut">
               <a:rPr lang="de-DE" smtClean="0"/>
-              <a:t>20.08.2020</a:t>
+              <a:t>21.08.2020</a:t>
             </a:fld>
             <a:endParaRPr lang="de-DE" dirty="0"/>
           </a:p>
@@ -830,7 +830,7 @@
           <a:p>
             <a:fld id="{298F6515-3D51-450C-B96D-5E0F813738E7}" type="datetimeFigureOut">
               <a:rPr lang="de-DE" smtClean="0"/>
-              <a:t>20.08.2020</a:t>
+              <a:t>21.08.2020</a:t>
             </a:fld>
             <a:endParaRPr lang="de-DE" dirty="0"/>
           </a:p>
@@ -1010,7 +1010,7 @@
           <a:p>
             <a:fld id="{298F6515-3D51-450C-B96D-5E0F813738E7}" type="datetimeFigureOut">
               <a:rPr lang="de-DE" smtClean="0"/>
-              <a:t>20.08.2020</a:t>
+              <a:t>21.08.2020</a:t>
             </a:fld>
             <a:endParaRPr lang="de-DE" dirty="0"/>
           </a:p>
@@ -1180,7 +1180,7 @@
           <a:p>
             <a:fld id="{298F6515-3D51-450C-B96D-5E0F813738E7}" type="datetimeFigureOut">
               <a:rPr lang="de-DE" smtClean="0"/>
-              <a:t>20.08.2020</a:t>
+              <a:t>21.08.2020</a:t>
             </a:fld>
             <a:endParaRPr lang="de-DE" dirty="0"/>
           </a:p>
@@ -1426,7 +1426,7 @@
           <a:p>
             <a:fld id="{298F6515-3D51-450C-B96D-5E0F813738E7}" type="datetimeFigureOut">
               <a:rPr lang="de-DE" smtClean="0"/>
-              <a:t>20.08.2020</a:t>
+              <a:t>21.08.2020</a:t>
             </a:fld>
             <a:endParaRPr lang="de-DE" dirty="0"/>
           </a:p>
@@ -1714,7 +1714,7 @@
           <a:p>
             <a:fld id="{298F6515-3D51-450C-B96D-5E0F813738E7}" type="datetimeFigureOut">
               <a:rPr lang="de-DE" smtClean="0"/>
-              <a:t>20.08.2020</a:t>
+              <a:t>21.08.2020</a:t>
             </a:fld>
             <a:endParaRPr lang="de-DE" dirty="0"/>
           </a:p>
@@ -2136,7 +2136,7 @@
           <a:p>
             <a:fld id="{298F6515-3D51-450C-B96D-5E0F813738E7}" type="datetimeFigureOut">
               <a:rPr lang="de-DE" smtClean="0"/>
-              <a:t>20.08.2020</a:t>
+              <a:t>21.08.2020</a:t>
             </a:fld>
             <a:endParaRPr lang="de-DE" dirty="0"/>
           </a:p>
@@ -2254,7 +2254,7 @@
           <a:p>
             <a:fld id="{298F6515-3D51-450C-B96D-5E0F813738E7}" type="datetimeFigureOut">
               <a:rPr lang="de-DE" smtClean="0"/>
-              <a:t>20.08.2020</a:t>
+              <a:t>21.08.2020</a:t>
             </a:fld>
             <a:endParaRPr lang="de-DE" dirty="0"/>
           </a:p>
@@ -2349,7 +2349,7 @@
           <a:p>
             <a:fld id="{298F6515-3D51-450C-B96D-5E0F813738E7}" type="datetimeFigureOut">
               <a:rPr lang="de-DE" smtClean="0"/>
-              <a:t>20.08.2020</a:t>
+              <a:t>21.08.2020</a:t>
             </a:fld>
             <a:endParaRPr lang="de-DE" dirty="0"/>
           </a:p>
@@ -2626,7 +2626,7 @@
           <a:p>
             <a:fld id="{298F6515-3D51-450C-B96D-5E0F813738E7}" type="datetimeFigureOut">
               <a:rPr lang="de-DE" smtClean="0"/>
-              <a:t>20.08.2020</a:t>
+              <a:t>21.08.2020</a:t>
             </a:fld>
             <a:endParaRPr lang="de-DE" dirty="0"/>
           </a:p>
@@ -2879,7 +2879,7 @@
           <a:p>
             <a:fld id="{298F6515-3D51-450C-B96D-5E0F813738E7}" type="datetimeFigureOut">
               <a:rPr lang="de-DE" smtClean="0"/>
-              <a:t>20.08.2020</a:t>
+              <a:t>21.08.2020</a:t>
             </a:fld>
             <a:endParaRPr lang="de-DE" dirty="0"/>
           </a:p>
@@ -3092,7 +3092,7 @@
           <a:p>
             <a:fld id="{298F6515-3D51-450C-B96D-5E0F813738E7}" type="datetimeFigureOut">
               <a:rPr lang="de-DE" smtClean="0"/>
-              <a:t>20.08.2020</a:t>
+              <a:t>21.08.2020</a:t>
             </a:fld>
             <a:endParaRPr lang="de-DE" dirty="0"/>
           </a:p>
@@ -5684,7 +5684,7 @@
         </p:nvSpPr>
         <p:spPr>
           <a:xfrm>
-            <a:off x="1299828" y="3212976"/>
+            <a:off x="1299828" y="3573016"/>
             <a:ext cx="6904384" cy="1656184"/>
           </a:xfrm>
           <a:prstGeom prst="flowChartProcess">
@@ -5723,7 +5723,15 @@
                   <a:schemeClr val="tx1"/>
                 </a:solidFill>
               </a:rPr>
-              <a:t>&lt;&lt;Spring-Boot-Backend&gt;&gt;</a:t>
+              <a:t>&lt;&lt;JPA-Spring-Boot-Backend</a:t>
+            </a:r>
+            <a:r>
+              <a:rPr lang="de-DE" b="1" dirty="0" smtClean="0">
+                <a:solidFill>
+                  <a:schemeClr val="tx1"/>
+                </a:solidFill>
+              </a:rPr>
+              <a:t>&gt;&gt;</a:t>
             </a:r>
             <a:endParaRPr lang="de-DE" b="1" dirty="0">
               <a:solidFill>
@@ -5741,7 +5749,7 @@
         </p:nvSpPr>
         <p:spPr>
           <a:xfrm>
-            <a:off x="1907704" y="3537012"/>
+            <a:off x="1907704" y="3897052"/>
             <a:ext cx="1296144" cy="1116124"/>
           </a:xfrm>
           <a:prstGeom prst="can">
@@ -5779,6 +5787,96 @@
               <a:t>H2-DB</a:t>
             </a:r>
             <a:endParaRPr lang="de-DE" dirty="0"/>
+          </a:p>
+        </p:txBody>
+      </p:sp>
+      <p:cxnSp>
+        <p:nvCxnSpPr>
+          <p:cNvPr id="5" name="Gerade Verbindung mit Pfeil 4"/>
+          <p:cNvCxnSpPr>
+            <a:stCxn id="22" idx="2"/>
+          </p:cNvCxnSpPr>
+          <p:nvPr/>
+        </p:nvCxnSpPr>
+        <p:spPr>
+          <a:xfrm>
+            <a:off x="4711824" y="2780928"/>
+            <a:ext cx="4192" cy="792088"/>
+          </a:xfrm>
+          <a:prstGeom prst="straightConnector1">
+            <a:avLst/>
+          </a:prstGeom>
+          <a:ln w="15875">
+            <a:headEnd type="triangle" w="lg" len="lg"/>
+            <a:tailEnd type="triangle" w="lg" len="lg"/>
+          </a:ln>
+        </p:spPr>
+        <p:style>
+          <a:lnRef idx="1">
+            <a:schemeClr val="accent1"/>
+          </a:lnRef>
+          <a:fillRef idx="0">
+            <a:schemeClr val="accent1"/>
+          </a:fillRef>
+          <a:effectRef idx="0">
+            <a:schemeClr val="accent1"/>
+          </a:effectRef>
+          <a:fontRef idx="minor">
+            <a:schemeClr val="tx1"/>
+          </a:fontRef>
+        </p:style>
+      </p:cxnSp>
+      <p:sp>
+        <p:nvSpPr>
+          <p:cNvPr id="6" name="Textfeld 5"/>
+          <p:cNvSpPr txBox="1"/>
+          <p:nvPr/>
+        </p:nvSpPr>
+        <p:spPr>
+          <a:xfrm>
+            <a:off x="4708920" y="2992306"/>
+            <a:ext cx="1139286" cy="338554"/>
+          </a:xfrm>
+          <a:prstGeom prst="rect">
+            <a:avLst/>
+          </a:prstGeom>
+          <a:noFill/>
+        </p:spPr>
+        <p:txBody>
+          <a:bodyPr wrap="none" rtlCol="0">
+            <a:spAutoFit/>
+          </a:bodyPr>
+          <a:lstStyle/>
+          <a:p>
+            <a:r>
+              <a:rPr lang="de-DE" sz="1600" b="1" dirty="0" smtClean="0">
+                <a:solidFill>
+                  <a:srgbClr val="4F81BD"/>
+                </a:solidFill>
+              </a:rPr>
+              <a:t>REST (</a:t>
+            </a:r>
+            <a:r>
+              <a:rPr lang="de-DE" sz="1600" b="1" dirty="0" err="1" smtClean="0">
+                <a:solidFill>
+                  <a:srgbClr val="4F81BD"/>
+                </a:solidFill>
+              </a:rPr>
+              <a:t>Json</a:t>
+            </a:r>
+            <a:r>
+              <a:rPr lang="de-DE" sz="1600" b="1" dirty="0" smtClean="0">
+                <a:solidFill>
+                  <a:srgbClr val="4F81BD"/>
+                </a:solidFill>
+              </a:rPr>
+              <a:t>)</a:t>
+            </a:r>
+            <a:endParaRPr lang="de-DE" sz="1600" b="1" dirty="0">
+              <a:solidFill>
+                <a:srgbClr val="4F81BD"/>
+              </a:solidFill>
+            </a:endParaRPr>
           </a:p>
         </p:txBody>
       </p:sp>
